--- a/FIT3158 - Case 2 - Network_diagram.pptx
+++ b/FIT3158 - Case 2 - Network_diagram.pptx
@@ -11561,7 +11561,7 @@
                   <a:schemeClr val="tx1"/>
                 </a:solidFill>
               </a:rPr>
-              <a:t>$1450</a:t>
+              <a:t>$1540</a:t>
             </a:r>
             <a:endParaRPr lang="en-GB" sz="2333" dirty="0">
               <a:solidFill>
@@ -11975,7 +11975,7 @@
                   <a:schemeClr val="tx1"/>
                 </a:solidFill>
               </a:rPr>
-              <a:t>$1550</a:t>
+              <a:t>$1595</a:t>
             </a:r>
             <a:endParaRPr lang="en-GB" sz="2333" dirty="0">
               <a:solidFill>
@@ -12044,7 +12044,7 @@
                   <a:schemeClr val="tx1"/>
                 </a:solidFill>
               </a:rPr>
-              <a:t>$1510</a:t>
+              <a:t>$1549</a:t>
             </a:r>
             <a:endParaRPr lang="en-GB" sz="2333" dirty="0">
               <a:solidFill>
@@ -12069,7 +12069,7 @@
         <p:spPr>
           <a:xfrm>
             <a:off x="6528781" y="11481842"/>
-            <a:ext cx="1312052" cy="462548"/>
+            <a:ext cx="1540610" cy="407815"/>
           </a:xfrm>
           <a:prstGeom prst="roundRect">
             <a:avLst/>
@@ -12113,7 +12113,7 @@
                   <a:schemeClr val="tx1"/>
                 </a:solidFill>
               </a:rPr>
-              <a:t>$1500</a:t>
+              <a:t>$1537.5</a:t>
             </a:r>
             <a:endParaRPr lang="en-GB" sz="2333" dirty="0">
               <a:solidFill>
@@ -12182,7 +12182,7 @@
                   <a:schemeClr val="tx1"/>
                 </a:solidFill>
               </a:rPr>
-              <a:t>$1480</a:t>
+              <a:t>$1514</a:t>
             </a:r>
             <a:endParaRPr lang="en-GB" sz="2333" dirty="0">
               <a:solidFill>
@@ -12251,7 +12251,7 @@
                   <a:schemeClr val="tx1"/>
                 </a:solidFill>
               </a:rPr>
-              <a:t>$1520</a:t>
+              <a:t>$1560</a:t>
             </a:r>
             <a:endParaRPr lang="en-GB" sz="2333" dirty="0">
               <a:solidFill>
@@ -12320,7 +12320,7 @@
                   <a:schemeClr val="tx1"/>
                 </a:solidFill>
               </a:rPr>
-              <a:t>$1540</a:t>
+              <a:t>$1583.5</a:t>
             </a:r>
             <a:endParaRPr lang="en-GB" sz="2333" dirty="0">
               <a:solidFill>
@@ -12389,7 +12389,7 @@
                   <a:schemeClr val="tx1"/>
                 </a:solidFill>
               </a:rPr>
-              <a:t>$1470</a:t>
+              <a:t>$1503</a:t>
             </a:r>
             <a:endParaRPr lang="en-GB" sz="2333" dirty="0">
               <a:solidFill>
@@ -12458,7 +12458,7 @@
                   <a:schemeClr val="tx1"/>
                 </a:solidFill>
               </a:rPr>
-              <a:t>$1490</a:t>
+              <a:t>$1526</a:t>
             </a:r>
             <a:endParaRPr lang="en-GB" sz="2333" dirty="0">
               <a:solidFill>
